--- a/challenge/Challange design.pptx
+++ b/challenge/Challange design.pptx
@@ -6,8 +6,9 @@
   </p:sldMasterIdLst>
   <p:sldIdLst>
     <p:sldId id="256" r:id="rId2"/>
-    <p:sldId id="257" r:id="rId3"/>
-    <p:sldId id="258" r:id="rId4"/>
+    <p:sldId id="259" r:id="rId3"/>
+    <p:sldId id="257" r:id="rId4"/>
+    <p:sldId id="258" r:id="rId5"/>
   </p:sldIdLst>
   <p:sldSz cx="9144000" cy="6858000" type="screen4x3"/>
   <p:notesSz cx="6858000" cy="9144000"/>
@@ -106,7 +107,16 @@
       </a:defRPr>
     </a:lvl9pPr>
   </p:defaultTextStyle>
+  <p:extLst>
+    <p:ext uri="{EFAFB233-063F-42B5-8137-9DF3F51BA10A}">
+      <p15:sldGuideLst xmlns:p15="http://schemas.microsoft.com/office/powerpoint/2012/main"/>
+    </p:ext>
+  </p:extLst>
 </p:presentation>
+</file>
+
+<file path=ppt/revisionInfo.xml><?xml version="1.0" encoding="utf-8"?>
+<p1510:revInfo xmlns:a="http://schemas.openxmlformats.org/drawingml/2006/main" xmlns:r="http://schemas.openxmlformats.org/officeDocument/2006/relationships" xmlns:p1510="http://schemas.microsoft.com/office/powerpoint/2015/10/main"/>
 </file>
 
 <file path=ppt/slideLayouts/slideLayout1.xml><?xml version="1.0" encoding="utf-8"?>
@@ -240,7 +250,7 @@
           <a:p>
             <a:fld id="{E10095B3-8055-4D77-8CFD-B3913D5587E9}" type="datetimeFigureOut">
               <a:rPr lang="en-US" smtClean="0"/>
-              <a:t>18-Jun-18</a:t>
+              <a:t>20-Jun-18</a:t>
             </a:fld>
             <a:endParaRPr lang="en-US"/>
           </a:p>
@@ -410,7 +420,7 @@
           <a:p>
             <a:fld id="{E10095B3-8055-4D77-8CFD-B3913D5587E9}" type="datetimeFigureOut">
               <a:rPr lang="en-US" smtClean="0"/>
-              <a:t>18-Jun-18</a:t>
+              <a:t>20-Jun-18</a:t>
             </a:fld>
             <a:endParaRPr lang="en-US"/>
           </a:p>
@@ -590,7 +600,7 @@
           <a:p>
             <a:fld id="{E10095B3-8055-4D77-8CFD-B3913D5587E9}" type="datetimeFigureOut">
               <a:rPr lang="en-US" smtClean="0"/>
-              <a:t>18-Jun-18</a:t>
+              <a:t>20-Jun-18</a:t>
             </a:fld>
             <a:endParaRPr lang="en-US"/>
           </a:p>
@@ -760,7 +770,7 @@
           <a:p>
             <a:fld id="{E10095B3-8055-4D77-8CFD-B3913D5587E9}" type="datetimeFigureOut">
               <a:rPr lang="en-US" smtClean="0"/>
-              <a:t>18-Jun-18</a:t>
+              <a:t>20-Jun-18</a:t>
             </a:fld>
             <a:endParaRPr lang="en-US"/>
           </a:p>
@@ -1004,7 +1014,7 @@
           <a:p>
             <a:fld id="{E10095B3-8055-4D77-8CFD-B3913D5587E9}" type="datetimeFigureOut">
               <a:rPr lang="en-US" smtClean="0"/>
-              <a:t>18-Jun-18</a:t>
+              <a:t>20-Jun-18</a:t>
             </a:fld>
             <a:endParaRPr lang="en-US"/>
           </a:p>
@@ -1236,7 +1246,7 @@
           <a:p>
             <a:fld id="{E10095B3-8055-4D77-8CFD-B3913D5587E9}" type="datetimeFigureOut">
               <a:rPr lang="en-US" smtClean="0"/>
-              <a:t>18-Jun-18</a:t>
+              <a:t>20-Jun-18</a:t>
             </a:fld>
             <a:endParaRPr lang="en-US"/>
           </a:p>
@@ -1603,7 +1613,7 @@
           <a:p>
             <a:fld id="{E10095B3-8055-4D77-8CFD-B3913D5587E9}" type="datetimeFigureOut">
               <a:rPr lang="en-US" smtClean="0"/>
-              <a:t>18-Jun-18</a:t>
+              <a:t>20-Jun-18</a:t>
             </a:fld>
             <a:endParaRPr lang="en-US"/>
           </a:p>
@@ -1721,7 +1731,7 @@
           <a:p>
             <a:fld id="{E10095B3-8055-4D77-8CFD-B3913D5587E9}" type="datetimeFigureOut">
               <a:rPr lang="en-US" smtClean="0"/>
-              <a:t>18-Jun-18</a:t>
+              <a:t>20-Jun-18</a:t>
             </a:fld>
             <a:endParaRPr lang="en-US"/>
           </a:p>
@@ -1816,7 +1826,7 @@
           <a:p>
             <a:fld id="{E10095B3-8055-4D77-8CFD-B3913D5587E9}" type="datetimeFigureOut">
               <a:rPr lang="en-US" smtClean="0"/>
-              <a:t>18-Jun-18</a:t>
+              <a:t>20-Jun-18</a:t>
             </a:fld>
             <a:endParaRPr lang="en-US"/>
           </a:p>
@@ -2093,7 +2103,7 @@
           <a:p>
             <a:fld id="{E10095B3-8055-4D77-8CFD-B3913D5587E9}" type="datetimeFigureOut">
               <a:rPr lang="en-US" smtClean="0"/>
-              <a:t>18-Jun-18</a:t>
+              <a:t>20-Jun-18</a:t>
             </a:fld>
             <a:endParaRPr lang="en-US"/>
           </a:p>
@@ -2350,7 +2360,7 @@
           <a:p>
             <a:fld id="{E10095B3-8055-4D77-8CFD-B3913D5587E9}" type="datetimeFigureOut">
               <a:rPr lang="en-US" smtClean="0"/>
-              <a:t>18-Jun-18</a:t>
+              <a:t>20-Jun-18</a:t>
             </a:fld>
             <a:endParaRPr lang="en-US"/>
           </a:p>
@@ -2563,7 +2573,7 @@
           <a:p>
             <a:fld id="{E10095B3-8055-4D77-8CFD-B3913D5587E9}" type="datetimeFigureOut">
               <a:rPr lang="en-US" smtClean="0"/>
-              <a:t>18-Jun-18</a:t>
+              <a:t>20-Jun-18</a:t>
             </a:fld>
             <a:endParaRPr lang="en-US"/>
           </a:p>
@@ -3308,6 +3318,478 @@
                   <a:schemeClr val="tx1"/>
                 </a:solidFill>
               </a:rPr>
+              <a:t>REGISTER </a:t>
+            </a:r>
+            <a:r>
+              <a:rPr lang="en-US" sz="1350" dirty="0">
+                <a:solidFill>
+                  <a:schemeClr val="tx1"/>
+                </a:solidFill>
+              </a:rPr>
+              <a:t>OUR FLEET    MAKE RESERVATION    CONTACTS</a:t>
+            </a:r>
+          </a:p>
+        </p:txBody>
+      </p:sp>
+      <p:sp>
+        <p:nvSpPr>
+          <p:cNvPr id="5" name="Rectangle 4">
+            <a:extLst>
+              <a:ext uri="{FF2B5EF4-FFF2-40B4-BE49-F238E27FC236}">
+                <a16:creationId xmlns:a16="http://schemas.microsoft.com/office/drawing/2014/main" id="{520F50A9-954B-44E1-9752-A6CC0D8258A2}"/>
+              </a:ext>
+            </a:extLst>
+          </p:cNvPr>
+          <p:cNvSpPr/>
+          <p:nvPr/>
+        </p:nvSpPr>
+        <p:spPr>
+          <a:xfrm>
+            <a:off x="276224" y="940540"/>
+            <a:ext cx="8601075" cy="3886200"/>
+          </a:xfrm>
+          <a:prstGeom prst="rect">
+            <a:avLst/>
+          </a:prstGeom>
+          <a:solidFill>
+            <a:schemeClr val="accent1">
+              <a:lumMod val="20000"/>
+              <a:lumOff val="80000"/>
+            </a:schemeClr>
+          </a:solidFill>
+          <a:ln>
+            <a:solidFill>
+              <a:schemeClr val="accent1">
+                <a:lumMod val="20000"/>
+                <a:lumOff val="80000"/>
+              </a:schemeClr>
+            </a:solidFill>
+          </a:ln>
+        </p:spPr>
+        <p:style>
+          <a:lnRef idx="2">
+            <a:schemeClr val="accent1">
+              <a:shade val="50000"/>
+            </a:schemeClr>
+          </a:lnRef>
+          <a:fillRef idx="1">
+            <a:schemeClr val="accent1"/>
+          </a:fillRef>
+          <a:effectRef idx="0">
+            <a:schemeClr val="accent1"/>
+          </a:effectRef>
+          <a:fontRef idx="minor">
+            <a:schemeClr val="lt1"/>
+          </a:fontRef>
+        </p:style>
+        <p:txBody>
+          <a:bodyPr rot="0" spcFirstLastPara="0" vertOverflow="overflow" horzOverflow="overflow" vert="horz" wrap="square" lIns="68580" tIns="34290" rIns="68580" bIns="34290" numCol="1" spcCol="0" rtlCol="0" fromWordArt="0" anchor="ctr" anchorCtr="0" forceAA="0" compatLnSpc="1">
+            <a:prstTxWarp prst="textNoShape">
+              <a:avLst/>
+            </a:prstTxWarp>
+            <a:noAutofit/>
+          </a:bodyPr>
+          <a:lstStyle/>
+          <a:p>
+            <a:pPr algn="ctr"/>
+            <a:endParaRPr lang="en-US" sz="1350" dirty="0">
+              <a:solidFill>
+                <a:schemeClr val="tx1"/>
+              </a:solidFill>
+            </a:endParaRPr>
+          </a:p>
+        </p:txBody>
+      </p:sp>
+      <p:sp>
+        <p:nvSpPr>
+          <p:cNvPr id="6" name="Rectangle 5">
+            <a:extLst>
+              <a:ext uri="{FF2B5EF4-FFF2-40B4-BE49-F238E27FC236}">
+                <a16:creationId xmlns:a16="http://schemas.microsoft.com/office/drawing/2014/main" id="{B181BD55-CF5B-476E-886E-73E8915E2296}"/>
+              </a:ext>
+            </a:extLst>
+          </p:cNvPr>
+          <p:cNvSpPr/>
+          <p:nvPr/>
+        </p:nvSpPr>
+        <p:spPr>
+          <a:xfrm>
+            <a:off x="276224" y="390525"/>
+            <a:ext cx="1333500" cy="419100"/>
+          </a:xfrm>
+          <a:prstGeom prst="rect">
+            <a:avLst/>
+          </a:prstGeom>
+          <a:solidFill>
+            <a:schemeClr val="accent1">
+              <a:lumMod val="20000"/>
+              <a:lumOff val="80000"/>
+            </a:schemeClr>
+          </a:solidFill>
+          <a:ln>
+            <a:solidFill>
+              <a:schemeClr val="accent1">
+                <a:lumMod val="20000"/>
+                <a:lumOff val="80000"/>
+              </a:schemeClr>
+            </a:solidFill>
+          </a:ln>
+        </p:spPr>
+        <p:style>
+          <a:lnRef idx="2">
+            <a:schemeClr val="accent1">
+              <a:shade val="50000"/>
+            </a:schemeClr>
+          </a:lnRef>
+          <a:fillRef idx="1">
+            <a:schemeClr val="accent1"/>
+          </a:fillRef>
+          <a:effectRef idx="0">
+            <a:schemeClr val="accent1"/>
+          </a:effectRef>
+          <a:fontRef idx="minor">
+            <a:schemeClr val="lt1"/>
+          </a:fontRef>
+        </p:style>
+        <p:txBody>
+          <a:bodyPr rot="0" spcFirstLastPara="0" vertOverflow="overflow" horzOverflow="overflow" vert="horz" wrap="square" lIns="68580" tIns="34290" rIns="68580" bIns="34290" numCol="1" spcCol="0" rtlCol="0" fromWordArt="0" anchor="ctr" anchorCtr="0" forceAA="0" compatLnSpc="1">
+            <a:prstTxWarp prst="textNoShape">
+              <a:avLst/>
+            </a:prstTxWarp>
+            <a:noAutofit/>
+          </a:bodyPr>
+          <a:lstStyle/>
+          <a:p>
+            <a:pPr algn="ctr"/>
+            <a:r>
+              <a:rPr lang="en-US" sz="1350" b="1" dirty="0">
+                <a:solidFill>
+                  <a:schemeClr val="tx1"/>
+                </a:solidFill>
+              </a:rPr>
+              <a:t>Cool Wheels</a:t>
+            </a:r>
+          </a:p>
+        </p:txBody>
+      </p:sp>
+      <p:sp>
+        <p:nvSpPr>
+          <p:cNvPr id="2" name="TextBox 1">
+            <a:extLst>
+              <a:ext uri="{FF2B5EF4-FFF2-40B4-BE49-F238E27FC236}">
+                <a16:creationId xmlns:a16="http://schemas.microsoft.com/office/drawing/2014/main" id="{3BB538F7-F7C7-44EC-B3EE-818C480B5727}"/>
+              </a:ext>
+            </a:extLst>
+          </p:cNvPr>
+          <p:cNvSpPr txBox="1"/>
+          <p:nvPr/>
+        </p:nvSpPr>
+        <p:spPr>
+          <a:xfrm>
+            <a:off x="2541181" y="1137684"/>
+            <a:ext cx="3944679" cy="2031325"/>
+          </a:xfrm>
+          <a:prstGeom prst="rect">
+            <a:avLst/>
+          </a:prstGeom>
+          <a:noFill/>
+        </p:spPr>
+        <p:txBody>
+          <a:bodyPr wrap="square" rtlCol="0">
+            <a:spAutoFit/>
+          </a:bodyPr>
+          <a:lstStyle/>
+          <a:p>
+            <a:r>
+              <a:rPr lang="en-US" dirty="0"/>
+              <a:t>Fill the form to register</a:t>
+            </a:r>
+          </a:p>
+          <a:p>
+            <a:endParaRPr lang="en-US" dirty="0"/>
+          </a:p>
+          <a:p>
+            <a:r>
+              <a:rPr lang="en-US" dirty="0"/>
+              <a:t>First name:</a:t>
+            </a:r>
+          </a:p>
+          <a:p>
+            <a:r>
+              <a:rPr lang="en-US" dirty="0"/>
+              <a:t>Last name:</a:t>
+            </a:r>
+          </a:p>
+          <a:p>
+            <a:r>
+              <a:rPr lang="en-US" dirty="0"/>
+              <a:t>Email:</a:t>
+            </a:r>
+          </a:p>
+          <a:p>
+            <a:r>
+              <a:rPr lang="en-US" dirty="0"/>
+              <a:t>Pass:</a:t>
+            </a:r>
+          </a:p>
+          <a:p>
+            <a:endParaRPr lang="en-US" dirty="0"/>
+          </a:p>
+        </p:txBody>
+      </p:sp>
+      <p:sp>
+        <p:nvSpPr>
+          <p:cNvPr id="8" name="TextBox 7">
+            <a:extLst>
+              <a:ext uri="{FF2B5EF4-FFF2-40B4-BE49-F238E27FC236}">
+                <a16:creationId xmlns:a16="http://schemas.microsoft.com/office/drawing/2014/main" id="{D9E6977F-766B-4ACD-91A0-670311480B43}"/>
+              </a:ext>
+            </a:extLst>
+          </p:cNvPr>
+          <p:cNvSpPr txBox="1"/>
+          <p:nvPr/>
+        </p:nvSpPr>
+        <p:spPr>
+          <a:xfrm>
+            <a:off x="3888194" y="1817931"/>
+            <a:ext cx="1681935" cy="182880"/>
+          </a:xfrm>
+          <a:prstGeom prst="rect">
+            <a:avLst/>
+          </a:prstGeom>
+          <a:noFill/>
+          <a:ln>
+            <a:solidFill>
+              <a:schemeClr val="tx1"/>
+            </a:solidFill>
+          </a:ln>
+        </p:spPr>
+        <p:txBody>
+          <a:bodyPr wrap="square" rtlCol="0">
+            <a:spAutoFit/>
+          </a:bodyPr>
+          <a:lstStyle/>
+          <a:p>
+            <a:endParaRPr lang="en-US" dirty="0"/>
+          </a:p>
+        </p:txBody>
+      </p:sp>
+      <p:sp>
+        <p:nvSpPr>
+          <p:cNvPr id="9" name="TextBox 8">
+            <a:extLst>
+              <a:ext uri="{FF2B5EF4-FFF2-40B4-BE49-F238E27FC236}">
+                <a16:creationId xmlns:a16="http://schemas.microsoft.com/office/drawing/2014/main" id="{ADC9FC8E-6963-4712-8E92-D588AB9EA1A0}"/>
+              </a:ext>
+            </a:extLst>
+          </p:cNvPr>
+          <p:cNvSpPr txBox="1"/>
+          <p:nvPr/>
+        </p:nvSpPr>
+        <p:spPr>
+          <a:xfrm>
+            <a:off x="3888194" y="2084036"/>
+            <a:ext cx="1681935" cy="182880"/>
+          </a:xfrm>
+          <a:prstGeom prst="rect">
+            <a:avLst/>
+          </a:prstGeom>
+          <a:noFill/>
+          <a:ln>
+            <a:solidFill>
+              <a:schemeClr val="tx1"/>
+            </a:solidFill>
+          </a:ln>
+        </p:spPr>
+        <p:txBody>
+          <a:bodyPr wrap="square" rtlCol="0">
+            <a:spAutoFit/>
+          </a:bodyPr>
+          <a:lstStyle/>
+          <a:p>
+            <a:endParaRPr lang="en-US" dirty="0"/>
+          </a:p>
+        </p:txBody>
+      </p:sp>
+      <p:sp>
+        <p:nvSpPr>
+          <p:cNvPr id="10" name="TextBox 9">
+            <a:extLst>
+              <a:ext uri="{FF2B5EF4-FFF2-40B4-BE49-F238E27FC236}">
+                <a16:creationId xmlns:a16="http://schemas.microsoft.com/office/drawing/2014/main" id="{ED9BE258-DE7D-4CC8-BBE8-83142626067A}"/>
+              </a:ext>
+            </a:extLst>
+          </p:cNvPr>
+          <p:cNvSpPr txBox="1"/>
+          <p:nvPr/>
+        </p:nvSpPr>
+        <p:spPr>
+          <a:xfrm>
+            <a:off x="3888194" y="2351738"/>
+            <a:ext cx="1681935" cy="182880"/>
+          </a:xfrm>
+          <a:prstGeom prst="rect">
+            <a:avLst/>
+          </a:prstGeom>
+          <a:noFill/>
+          <a:ln>
+            <a:solidFill>
+              <a:schemeClr val="tx1"/>
+            </a:solidFill>
+          </a:ln>
+        </p:spPr>
+        <p:txBody>
+          <a:bodyPr wrap="square" rtlCol="0">
+            <a:spAutoFit/>
+          </a:bodyPr>
+          <a:lstStyle/>
+          <a:p>
+            <a:endParaRPr lang="en-US" dirty="0"/>
+          </a:p>
+        </p:txBody>
+      </p:sp>
+      <p:sp>
+        <p:nvSpPr>
+          <p:cNvPr id="11" name="TextBox 10">
+            <a:extLst>
+              <a:ext uri="{FF2B5EF4-FFF2-40B4-BE49-F238E27FC236}">
+                <a16:creationId xmlns:a16="http://schemas.microsoft.com/office/drawing/2014/main" id="{78F76054-1B44-4D71-9687-19463687C4B3}"/>
+              </a:ext>
+            </a:extLst>
+          </p:cNvPr>
+          <p:cNvSpPr txBox="1"/>
+          <p:nvPr/>
+        </p:nvSpPr>
+        <p:spPr>
+          <a:xfrm>
+            <a:off x="3888194" y="2577493"/>
+            <a:ext cx="1681935" cy="182880"/>
+          </a:xfrm>
+          <a:prstGeom prst="rect">
+            <a:avLst/>
+          </a:prstGeom>
+          <a:noFill/>
+          <a:ln>
+            <a:solidFill>
+              <a:schemeClr val="tx1"/>
+            </a:solidFill>
+          </a:ln>
+        </p:spPr>
+        <p:txBody>
+          <a:bodyPr wrap="square" rtlCol="0">
+            <a:spAutoFit/>
+          </a:bodyPr>
+          <a:lstStyle/>
+          <a:p>
+            <a:endParaRPr lang="en-US" dirty="0"/>
+          </a:p>
+        </p:txBody>
+      </p:sp>
+    </p:spTree>
+    <p:extLst>
+      <p:ext uri="{BB962C8B-B14F-4D97-AF65-F5344CB8AC3E}">
+        <p14:creationId xmlns:p14="http://schemas.microsoft.com/office/powerpoint/2010/main" val="856184211"/>
+      </p:ext>
+    </p:extLst>
+  </p:cSld>
+  <p:clrMapOvr>
+    <a:masterClrMapping/>
+  </p:clrMapOvr>
+</p:sld>
+</file>
+
+<file path=ppt/slides/slide3.xml><?xml version="1.0" encoding="utf-8"?>
+<p:sld xmlns:a="http://schemas.openxmlformats.org/drawingml/2006/main" xmlns:r="http://schemas.openxmlformats.org/officeDocument/2006/relationships" xmlns:p="http://schemas.openxmlformats.org/presentationml/2006/main">
+  <p:cSld>
+    <p:spTree>
+      <p:nvGrpSpPr>
+        <p:cNvPr id="1" name=""/>
+        <p:cNvGrpSpPr/>
+        <p:nvPr/>
+      </p:nvGrpSpPr>
+      <p:grpSpPr>
+        <a:xfrm>
+          <a:off x="0" y="0"/>
+          <a:ext cx="0" cy="0"/>
+          <a:chOff x="0" y="0"/>
+          <a:chExt cx="0" cy="0"/>
+        </a:xfrm>
+      </p:grpSpPr>
+      <p:sp>
+        <p:nvSpPr>
+          <p:cNvPr id="4" name="Rectangle 3">
+            <a:extLst>
+              <a:ext uri="{FF2B5EF4-FFF2-40B4-BE49-F238E27FC236}">
+                <a16:creationId xmlns:a16="http://schemas.microsoft.com/office/drawing/2014/main" id="{1AEADC15-CA43-43A7-8FBD-142BFA3FA45E}"/>
+              </a:ext>
+            </a:extLst>
+          </p:cNvPr>
+          <p:cNvSpPr/>
+          <p:nvPr/>
+        </p:nvSpPr>
+        <p:spPr>
+          <a:xfrm>
+            <a:off x="276224" y="390525"/>
+            <a:ext cx="8601075" cy="419100"/>
+          </a:xfrm>
+          <a:prstGeom prst="rect">
+            <a:avLst/>
+          </a:prstGeom>
+          <a:solidFill>
+            <a:schemeClr val="accent1">
+              <a:lumMod val="20000"/>
+              <a:lumOff val="80000"/>
+            </a:schemeClr>
+          </a:solidFill>
+          <a:ln>
+            <a:solidFill>
+              <a:schemeClr val="accent1">
+                <a:lumMod val="20000"/>
+                <a:lumOff val="80000"/>
+              </a:schemeClr>
+            </a:solidFill>
+          </a:ln>
+        </p:spPr>
+        <p:style>
+          <a:lnRef idx="2">
+            <a:schemeClr val="accent1">
+              <a:shade val="50000"/>
+            </a:schemeClr>
+          </a:lnRef>
+          <a:fillRef idx="1">
+            <a:schemeClr val="accent1"/>
+          </a:fillRef>
+          <a:effectRef idx="0">
+            <a:schemeClr val="accent1"/>
+          </a:effectRef>
+          <a:fontRef idx="minor">
+            <a:schemeClr val="lt1"/>
+          </a:fontRef>
+        </p:style>
+        <p:txBody>
+          <a:bodyPr rot="0" spcFirstLastPara="0" vertOverflow="overflow" horzOverflow="overflow" vert="horz" wrap="square" lIns="68580" tIns="34290" rIns="68580" bIns="34290" numCol="1" spcCol="0" rtlCol="0" fromWordArt="0" anchor="ctr" anchorCtr="0" forceAA="0" compatLnSpc="1">
+            <a:prstTxWarp prst="textNoShape">
+              <a:avLst/>
+            </a:prstTxWarp>
+            <a:noAutofit/>
+          </a:bodyPr>
+          <a:lstStyle/>
+          <a:p>
+            <a:pPr algn="ctr"/>
+            <a:r>
+              <a:rPr lang="en-US" sz="1350" dirty="0">
+                <a:solidFill>
+                  <a:schemeClr val="tx1"/>
+                </a:solidFill>
+              </a:rPr>
+              <a:t>HOME    </a:t>
+            </a:r>
+            <a:r>
+              <a:rPr lang="en-US" sz="1350" b="1" dirty="0">
+                <a:solidFill>
+                  <a:schemeClr val="tx1"/>
+                </a:solidFill>
+              </a:rPr>
               <a:t>OUR FLEET    </a:t>
             </a:r>
             <a:r>
@@ -3830,7 +4312,7 @@
 </p:sld>
 </file>
 
-<file path=ppt/slides/slide3.xml><?xml version="1.0" encoding="utf-8"?>
+<file path=ppt/slides/slide4.xml><?xml version="1.0" encoding="utf-8"?>
 <p:sld xmlns:a="http://schemas.openxmlformats.org/drawingml/2006/main" xmlns:r="http://schemas.openxmlformats.org/officeDocument/2006/relationships" xmlns:p="http://schemas.openxmlformats.org/presentationml/2006/main">
   <p:cSld>
     <p:spTree>
